--- a/Presentation.pptx
+++ b/Presentation.pptx
@@ -6114,15 +6114,11 @@
           <a:p>
             <a:r>
               <a:rPr lang="en-US" dirty="0" smtClean="0"/>
-              <a:t>Automating </a:t>
+              <a:t>Automating Forestry Field Data </a:t>
             </a:r>
             <a:r>
               <a:rPr lang="en-US" dirty="0" err="1" smtClean="0"/>
-              <a:t>Geoprocessing</a:t>
-            </a:r>
-            <a:r>
-              <a:rPr lang="en-US" dirty="0" smtClean="0"/>
-              <a:t> of Forestry Field Data</a:t>
+              <a:t>Geoprocesses</a:t>
             </a:r>
             <a:endParaRPr lang="en-US" dirty="0"/>
           </a:p>

--- a/Presentation.pptx
+++ b/Presentation.pptx
@@ -6147,6 +6147,41 @@
           </a:p>
         </p:txBody>
       </p:sp>
+      <p:pic>
+        <p:nvPicPr>
+          <p:cNvPr id="5" name="Picture 4"/>
+          <p:cNvPicPr>
+            <a:picLocks noChangeAspect="1"/>
+          </p:cNvPicPr>
+          <p:nvPr/>
+        </p:nvPicPr>
+        <p:blipFill>
+          <a:blip r:embed="rId2">
+            <a:clrChange>
+              <a:clrFrom>
+                <a:srgbClr val="000000"/>
+              </a:clrFrom>
+              <a:clrTo>
+                <a:srgbClr val="000000">
+                  <a:alpha val="0"/>
+                </a:srgbClr>
+              </a:clrTo>
+            </a:clrChange>
+          </a:blip>
+          <a:stretch>
+            <a:fillRect/>
+          </a:stretch>
+        </p:blipFill>
+        <p:spPr>
+          <a:xfrm>
+            <a:off x="8512709" y="3906982"/>
+            <a:ext cx="2491838" cy="2491838"/>
+          </a:xfrm>
+          <a:prstGeom prst="rect">
+            <a:avLst/>
+          </a:prstGeom>
+        </p:spPr>
+      </p:pic>
     </p:spTree>
     <p:extLst>
       <p:ext uri="{BB962C8B-B14F-4D97-AF65-F5344CB8AC3E}">
